--- a/Trinh_Van_Thu/Native Cross-Platform Apps with Tabris.pptx
+++ b/Trinh_Van_Thu/Native Cross-Platform Apps with Tabris.pptx
@@ -347,7 +347,7 @@
             <a:fld id="{B61BEF0D-F0BB-DE4B-95CE-6DB70DBA9567}" type="datetimeFigureOut">
               <a:rPr lang="en-US" dirty="0"/>
               <a:pPr/>
-              <a:t>9/13/2014</a:t>
+              <a:t>9/23/2014</a:t>
             </a:fld>
             <a:endParaRPr lang="en-US" dirty="0"/>
           </a:p>
@@ -678,7 +678,7 @@
             <a:fld id="{B61BEF0D-F0BB-DE4B-95CE-6DB70DBA9567}" type="datetimeFigureOut">
               <a:rPr lang="en-US" dirty="0"/>
               <a:pPr/>
-              <a:t>9/13/2014</a:t>
+              <a:t>9/23/2014</a:t>
             </a:fld>
             <a:endParaRPr lang="en-US" dirty="0"/>
           </a:p>
@@ -953,7 +953,7 @@
             <a:fld id="{B61BEF0D-F0BB-DE4B-95CE-6DB70DBA9567}" type="datetimeFigureOut">
               <a:rPr lang="en-US" dirty="0"/>
               <a:pPr/>
-              <a:t>9/13/2014</a:t>
+              <a:t>9/23/2014</a:t>
             </a:fld>
             <a:endParaRPr lang="en-US" dirty="0"/>
           </a:p>
@@ -1518,7 +1518,7 @@
             <a:fld id="{B61BEF0D-F0BB-DE4B-95CE-6DB70DBA9567}" type="datetimeFigureOut">
               <a:rPr lang="en-US" dirty="0"/>
               <a:pPr/>
-              <a:t>9/13/2014</a:t>
+              <a:t>9/23/2014</a:t>
             </a:fld>
             <a:endParaRPr lang="en-US" dirty="0"/>
           </a:p>
@@ -1793,7 +1793,7 @@
             <a:fld id="{B61BEF0D-F0BB-DE4B-95CE-6DB70DBA9567}" type="datetimeFigureOut">
               <a:rPr lang="en-US" dirty="0"/>
               <a:pPr/>
-              <a:t>9/13/2014</a:t>
+              <a:t>9/23/2014</a:t>
             </a:fld>
             <a:endParaRPr lang="en-US" dirty="0"/>
           </a:p>
@@ -2352,7 +2352,7 @@
             <a:fld id="{B61BEF0D-F0BB-DE4B-95CE-6DB70DBA9567}" type="datetimeFigureOut">
               <a:rPr lang="en-US" dirty="0"/>
               <a:pPr/>
-              <a:t>9/13/2014</a:t>
+              <a:t>9/23/2014</a:t>
             </a:fld>
             <a:endParaRPr lang="en-US" dirty="0"/>
           </a:p>
@@ -2676,7 +2676,7 @@
             <a:fld id="{B61BEF0D-F0BB-DE4B-95CE-6DB70DBA9567}" type="datetimeFigureOut">
               <a:rPr lang="en-US" dirty="0"/>
               <a:pPr/>
-              <a:t>9/13/2014</a:t>
+              <a:t>9/23/2014</a:t>
             </a:fld>
             <a:endParaRPr lang="en-US" dirty="0"/>
           </a:p>
@@ -2850,7 +2850,7 @@
             <a:fld id="{B61BEF0D-F0BB-DE4B-95CE-6DB70DBA9567}" type="datetimeFigureOut">
               <a:rPr lang="en-US" dirty="0"/>
               <a:pPr/>
-              <a:t>9/13/2014</a:t>
+              <a:t>9/23/2014</a:t>
             </a:fld>
             <a:endParaRPr lang="en-US" dirty="0"/>
           </a:p>
@@ -3085,7 +3085,7 @@
             <a:fld id="{B61BEF0D-F0BB-DE4B-95CE-6DB70DBA9567}" type="datetimeFigureOut">
               <a:rPr lang="en-US" dirty="0"/>
               <a:pPr/>
-              <a:t>9/13/2014</a:t>
+              <a:t>9/23/2014</a:t>
             </a:fld>
             <a:endParaRPr lang="en-US" dirty="0"/>
           </a:p>
@@ -3282,7 +3282,7 @@
             <a:fld id="{B61BEF0D-F0BB-DE4B-95CE-6DB70DBA9567}" type="datetimeFigureOut">
               <a:rPr lang="en-US" dirty="0"/>
               <a:pPr/>
-              <a:t>9/13/2014</a:t>
+              <a:t>9/23/2014</a:t>
             </a:fld>
             <a:endParaRPr lang="en-US" dirty="0"/>
           </a:p>
@@ -3555,7 +3555,7 @@
             <a:fld id="{B61BEF0D-F0BB-DE4B-95CE-6DB70DBA9567}" type="datetimeFigureOut">
               <a:rPr lang="en-US" dirty="0"/>
               <a:pPr/>
-              <a:t>9/13/2014</a:t>
+              <a:t>9/23/2014</a:t>
             </a:fld>
             <a:endParaRPr lang="en-US" dirty="0"/>
           </a:p>
@@ -3818,7 +3818,7 @@
             <a:fld id="{B61BEF0D-F0BB-DE4B-95CE-6DB70DBA9567}" type="datetimeFigureOut">
               <a:rPr lang="en-US" dirty="0"/>
               <a:pPr/>
-              <a:t>9/13/2014</a:t>
+              <a:t>9/23/2014</a:t>
             </a:fld>
             <a:endParaRPr lang="en-US" dirty="0"/>
           </a:p>
@@ -4189,7 +4189,7 @@
             <a:fld id="{B61BEF0D-F0BB-DE4B-95CE-6DB70DBA9567}" type="datetimeFigureOut">
               <a:rPr lang="en-US" dirty="0"/>
               <a:pPr/>
-              <a:t>9/13/2014</a:t>
+              <a:t>9/23/2014</a:t>
             </a:fld>
             <a:endParaRPr lang="en-US" dirty="0"/>
           </a:p>
@@ -4334,7 +4334,7 @@
             <a:fld id="{B61BEF0D-F0BB-DE4B-95CE-6DB70DBA9567}" type="datetimeFigureOut">
               <a:rPr lang="en-US" dirty="0"/>
               <a:pPr/>
-              <a:t>9/13/2014</a:t>
+              <a:t>9/23/2014</a:t>
             </a:fld>
             <a:endParaRPr lang="en-US" dirty="0"/>
           </a:p>
@@ -4456,7 +4456,7 @@
             <a:fld id="{B61BEF0D-F0BB-DE4B-95CE-6DB70DBA9567}" type="datetimeFigureOut">
               <a:rPr lang="en-US" dirty="0"/>
               <a:pPr/>
-              <a:t>9/13/2014</a:t>
+              <a:t>9/23/2014</a:t>
             </a:fld>
             <a:endParaRPr lang="en-US" dirty="0"/>
           </a:p>
@@ -4738,7 +4738,7 @@
             <a:fld id="{B61BEF0D-F0BB-DE4B-95CE-6DB70DBA9567}" type="datetimeFigureOut">
               <a:rPr lang="en-US" dirty="0"/>
               <a:pPr/>
-              <a:t>9/13/2014</a:t>
+              <a:t>9/23/2014</a:t>
             </a:fld>
             <a:endParaRPr lang="en-US" dirty="0"/>
           </a:p>
@@ -5059,7 +5059,7 @@
             <a:fld id="{B61BEF0D-F0BB-DE4B-95CE-6DB70DBA9567}" type="datetimeFigureOut">
               <a:rPr lang="en-US" dirty="0"/>
               <a:pPr/>
-              <a:t>9/13/2014</a:t>
+              <a:t>9/23/2014</a:t>
             </a:fld>
             <a:endParaRPr lang="en-US" dirty="0"/>
           </a:p>
@@ -5270,7 +5270,7 @@
             <a:fld id="{B61BEF0D-F0BB-DE4B-95CE-6DB70DBA9567}" type="datetimeFigureOut">
               <a:rPr lang="en-US" dirty="0"/>
               <a:pPr/>
-              <a:t>9/13/2014</a:t>
+              <a:t>9/23/2014</a:t>
             </a:fld>
             <a:endParaRPr lang="en-US" dirty="0"/>
           </a:p>
@@ -5802,14 +5802,14 @@
             <a:pPr algn="ctr"/>
             <a:r>
               <a:rPr lang="en-US" smtClean="0">
-                <a:latin typeface="Times New Roman" panose="02020603050405020304" pitchFamily="18" charset="0"/>
-                <a:cs typeface="Times New Roman" panose="02020603050405020304" pitchFamily="18" charset="0"/>
+                <a:latin typeface="Arial" panose="020B0604020202020204" pitchFamily="34" charset="0"/>
+                <a:cs typeface="Arial" panose="020B0604020202020204" pitchFamily="34" charset="0"/>
               </a:rPr>
               <a:t>Xây dựng các ứng dụng đa nền tảng với Tabris</a:t>
             </a:r>
             <a:endParaRPr lang="en-US">
-              <a:latin typeface="Times New Roman" panose="02020603050405020304" pitchFamily="18" charset="0"/>
-              <a:cs typeface="Times New Roman" panose="02020603050405020304" pitchFamily="18" charset="0"/>
+              <a:latin typeface="Arial" panose="020B0604020202020204" pitchFamily="34" charset="0"/>
+              <a:cs typeface="Arial" panose="020B0604020202020204" pitchFamily="34" charset="0"/>
             </a:endParaRPr>
           </a:p>
         </p:txBody>
@@ -5822,8 +5822,8 @@
         </p:nvSpPr>
         <p:spPr>
           <a:xfrm>
-            <a:off x="759852" y="4803820"/>
-            <a:ext cx="5756857" cy="1477328"/>
+            <a:off x="837126" y="4790941"/>
+            <a:ext cx="6233375" cy="1477328"/>
           </a:xfrm>
           <a:prstGeom prst="rect">
             <a:avLst/>
@@ -5838,8 +5838,8 @@
           <a:p>
             <a:r>
               <a:rPr lang="en-US" smtClean="0">
-                <a:latin typeface="Times New Roman" panose="02020603050405020304" pitchFamily="18" charset="0"/>
-                <a:cs typeface="Times New Roman" panose="02020603050405020304" pitchFamily="18" charset="0"/>
+                <a:latin typeface="Arial" panose="020B0604020202020204" pitchFamily="34" charset="0"/>
+                <a:cs typeface="Arial" panose="020B0604020202020204" pitchFamily="34" charset="0"/>
               </a:rPr>
               <a:t>Giảng viên: TS. Trương Anh Hoàng</a:t>
             </a:r>
@@ -5847,8 +5847,8 @@
           <a:p>
             <a:r>
               <a:rPr lang="en-US" smtClean="0">
-                <a:latin typeface="Times New Roman" panose="02020603050405020304" pitchFamily="18" charset="0"/>
-                <a:cs typeface="Times New Roman" panose="02020603050405020304" pitchFamily="18" charset="0"/>
+                <a:latin typeface="Arial" panose="020B0604020202020204" pitchFamily="34" charset="0"/>
+                <a:cs typeface="Arial" panose="020B0604020202020204" pitchFamily="34" charset="0"/>
               </a:rPr>
               <a:t>Sinh viên: Trịnh Văn Thử</a:t>
             </a:r>
@@ -5856,8 +5856,8 @@
           <a:p>
             <a:r>
               <a:rPr lang="en-US" smtClean="0">
-                <a:latin typeface="Times New Roman" panose="02020603050405020304" pitchFamily="18" charset="0"/>
-                <a:cs typeface="Times New Roman" panose="02020603050405020304" pitchFamily="18" charset="0"/>
+                <a:latin typeface="Arial" panose="020B0604020202020204" pitchFamily="34" charset="0"/>
+                <a:cs typeface="Arial" panose="020B0604020202020204" pitchFamily="34" charset="0"/>
               </a:rPr>
               <a:t>Lớp: K56CD</a:t>
             </a:r>
@@ -5865,8 +5865,8 @@
           <a:p>
             <a:r>
               <a:rPr lang="en-US" smtClean="0">
-                <a:latin typeface="Times New Roman" panose="02020603050405020304" pitchFamily="18" charset="0"/>
-                <a:cs typeface="Times New Roman" panose="02020603050405020304" pitchFamily="18" charset="0"/>
+                <a:latin typeface="Arial" panose="020B0604020202020204" pitchFamily="34" charset="0"/>
+                <a:cs typeface="Arial" panose="020B0604020202020204" pitchFamily="34" charset="0"/>
               </a:rPr>
               <a:t>Mã số sinh viên: 11020330</a:t>
             </a:r>
@@ -5874,14 +5874,14 @@
           <a:p>
             <a:r>
               <a:rPr lang="en-US" smtClean="0">
-                <a:latin typeface="Times New Roman" panose="02020603050405020304" pitchFamily="18" charset="0"/>
-                <a:cs typeface="Times New Roman" panose="02020603050405020304" pitchFamily="18" charset="0"/>
+                <a:latin typeface="Arial" panose="020B0604020202020204" pitchFamily="34" charset="0"/>
+                <a:cs typeface="Arial" panose="020B0604020202020204" pitchFamily="34" charset="0"/>
               </a:rPr>
               <a:t>Môn học: Các vấn đề hiện đại của công nghệ phần mềm.</a:t>
             </a:r>
             <a:endParaRPr lang="en-US">
-              <a:latin typeface="Times New Roman" panose="02020603050405020304" pitchFamily="18" charset="0"/>
-              <a:cs typeface="Times New Roman" panose="02020603050405020304" pitchFamily="18" charset="0"/>
+              <a:latin typeface="Arial" panose="020B0604020202020204" pitchFamily="34" charset="0"/>
+              <a:cs typeface="Arial" panose="020B0604020202020204" pitchFamily="34" charset="0"/>
             </a:endParaRPr>
           </a:p>
         </p:txBody>
@@ -5949,14 +5949,14 @@
             </a:pPr>
             <a:r>
               <a:rPr lang="en-US" smtClean="0">
-                <a:latin typeface="Times New Roman" panose="02020603050405020304" pitchFamily="18" charset="0"/>
-                <a:cs typeface="Times New Roman" panose="02020603050405020304" pitchFamily="18" charset="0"/>
+                <a:latin typeface="Arial" panose="020B0604020202020204" pitchFamily="34" charset="0"/>
+                <a:cs typeface="Arial" panose="020B0604020202020204" pitchFamily="34" charset="0"/>
               </a:rPr>
               <a:t>Giới thiệu</a:t>
             </a:r>
             <a:endParaRPr lang="en-US">
-              <a:latin typeface="Times New Roman" panose="02020603050405020304" pitchFamily="18" charset="0"/>
-              <a:cs typeface="Times New Roman" panose="02020603050405020304" pitchFamily="18" charset="0"/>
+              <a:latin typeface="Arial" panose="020B0604020202020204" pitchFamily="34" charset="0"/>
+              <a:cs typeface="Arial" panose="020B0604020202020204" pitchFamily="34" charset="0"/>
             </a:endParaRPr>
           </a:p>
         </p:txBody>
@@ -5991,8 +5991,8 @@
             </a:pPr>
             <a:r>
               <a:rPr lang="en-US" smtClean="0">
-                <a:latin typeface="Times New Roman" panose="02020603050405020304" pitchFamily="18" charset="0"/>
-                <a:cs typeface="Times New Roman" panose="02020603050405020304" pitchFamily="18" charset="0"/>
+                <a:latin typeface="Arial" panose="020B0604020202020204" pitchFamily="34" charset="0"/>
+                <a:cs typeface="Arial" panose="020B0604020202020204" pitchFamily="34" charset="0"/>
               </a:rPr>
               <a:t>1.1	Thách thức với các nhà phát triển ứng dụng di động hiện nay.</a:t>
             </a:r>
@@ -6007,8 +6007,8 @@
             </a:pPr>
             <a:r>
               <a:rPr lang="en-US" smtClean="0">
-                <a:latin typeface="Times New Roman" panose="02020603050405020304" pitchFamily="18" charset="0"/>
-                <a:cs typeface="Times New Roman" panose="02020603050405020304" pitchFamily="18" charset="0"/>
+                <a:latin typeface="Arial" panose="020B0604020202020204" pitchFamily="34" charset="0"/>
+                <a:cs typeface="Arial" panose="020B0604020202020204" pitchFamily="34" charset="0"/>
               </a:rPr>
               <a:t>Sự đa dạng các nền tảng di động hiện nay đặt ra vấn đề cho các nhà phát triển ứng dụng trên nhiều nền tảng khác nhau.</a:t>
             </a:r>
@@ -6023,8 +6023,8 @@
             </a:pPr>
             <a:r>
               <a:rPr lang="en-US" smtClean="0">
-                <a:latin typeface="Times New Roman" panose="02020603050405020304" pitchFamily="18" charset="0"/>
-                <a:cs typeface="Times New Roman" panose="02020603050405020304" pitchFamily="18" charset="0"/>
+                <a:latin typeface="Arial" panose="020B0604020202020204" pitchFamily="34" charset="0"/>
+                <a:cs typeface="Arial" panose="020B0604020202020204" pitchFamily="34" charset="0"/>
               </a:rPr>
               <a:t>Nhiều thách thức được đặt ra khi phát triển 1 ứng dụng trên nhiều nền tảng di động khác nhau.</a:t>
             </a:r>
@@ -6039,8 +6039,8 @@
             </a:pPr>
             <a:r>
               <a:rPr lang="en-US" smtClean="0">
-                <a:latin typeface="Times New Roman" panose="02020603050405020304" pitchFamily="18" charset="0"/>
-                <a:cs typeface="Times New Roman" panose="02020603050405020304" pitchFamily="18" charset="0"/>
+                <a:latin typeface="Arial" panose="020B0604020202020204" pitchFamily="34" charset="0"/>
+                <a:cs typeface="Arial" panose="020B0604020202020204" pitchFamily="34" charset="0"/>
               </a:rPr>
               <a:t>Với những nền tảng khác nhau thì cần biết về cách thiết kế, ngôn ngữ phát triển, các API khác nhau tương ứng với nền tảng đó.</a:t>
             </a:r>
@@ -6051,8 +6051,8 @@
               <a:buChar char="Ø"/>
             </a:pPr>
             <a:endParaRPr lang="en-US">
-              <a:latin typeface="Times New Roman" panose="02020603050405020304" pitchFamily="18" charset="0"/>
-              <a:cs typeface="Times New Roman" panose="02020603050405020304" pitchFamily="18" charset="0"/>
+              <a:latin typeface="Arial" panose="020B0604020202020204" pitchFamily="34" charset="0"/>
+              <a:cs typeface="Arial" panose="020B0604020202020204" pitchFamily="34" charset="0"/>
             </a:endParaRPr>
           </a:p>
         </p:txBody>
@@ -6154,8 +6154,8 @@
             </a:pPr>
             <a:r>
               <a:rPr lang="en-US" smtClean="0">
-                <a:latin typeface="Times New Roman" panose="02020603050405020304" pitchFamily="18" charset="0"/>
-                <a:cs typeface="Times New Roman" panose="02020603050405020304" pitchFamily="18" charset="0"/>
+                <a:latin typeface="Arial" panose="020B0604020202020204" pitchFamily="34" charset="0"/>
+                <a:cs typeface="Arial" panose="020B0604020202020204" pitchFamily="34" charset="0"/>
               </a:rPr>
               <a:t>1.2	Giải pháp</a:t>
             </a:r>
@@ -6170,8 +6170,8 @@
             </a:pPr>
             <a:r>
               <a:rPr lang="en-US" smtClean="0">
-                <a:latin typeface="Times New Roman" panose="02020603050405020304" pitchFamily="18" charset="0"/>
-                <a:cs typeface="Times New Roman" panose="02020603050405020304" pitchFamily="18" charset="0"/>
+                <a:latin typeface="Arial" panose="020B0604020202020204" pitchFamily="34" charset="0"/>
+                <a:cs typeface="Arial" panose="020B0604020202020204" pitchFamily="34" charset="0"/>
               </a:rPr>
               <a:t>Sử dụng các công cụ phát triển ứng dụng đa nền tảng</a:t>
             </a:r>
@@ -6186,8 +6186,8 @@
             </a:pPr>
             <a:r>
               <a:rPr lang="en-US" smtClean="0">
-                <a:latin typeface="Times New Roman" panose="02020603050405020304" pitchFamily="18" charset="0"/>
-                <a:cs typeface="Times New Roman" panose="02020603050405020304" pitchFamily="18" charset="0"/>
+                <a:latin typeface="Arial" panose="020B0604020202020204" pitchFamily="34" charset="0"/>
+                <a:cs typeface="Arial" panose="020B0604020202020204" pitchFamily="34" charset="0"/>
               </a:rPr>
               <a:t>Gần đây có 2 bộ công cụ:</a:t>
             </a:r>
@@ -6202,8 +6202,8 @@
             </a:pPr>
             <a:r>
               <a:rPr lang="en-US" sz="1800" smtClean="0">
-                <a:latin typeface="Times New Roman" panose="02020603050405020304" pitchFamily="18" charset="0"/>
-                <a:cs typeface="Times New Roman" panose="02020603050405020304" pitchFamily="18" charset="0"/>
+                <a:latin typeface="Arial" panose="020B0604020202020204" pitchFamily="34" charset="0"/>
+                <a:cs typeface="Arial" panose="020B0604020202020204" pitchFamily="34" charset="0"/>
               </a:rPr>
               <a:t>	Loại thứ nhất là bộ công cụ HTML-base. Phát triển các ứng dụng trên nền web.</a:t>
             </a:r>
@@ -6218,8 +6218,8 @@
             </a:pPr>
             <a:r>
               <a:rPr lang="en-US" sz="1800" smtClean="0">
-                <a:latin typeface="Times New Roman" panose="02020603050405020304" pitchFamily="18" charset="0"/>
-                <a:cs typeface="Times New Roman" panose="02020603050405020304" pitchFamily="18" charset="0"/>
+                <a:latin typeface="Arial" panose="020B0604020202020204" pitchFamily="34" charset="0"/>
+                <a:cs typeface="Arial" panose="020B0604020202020204" pitchFamily="34" charset="0"/>
               </a:rPr>
               <a:t>Loại thứ hai là bộ công cụ sử dụng các tiện ích của hệ điều hành để phát triển ứng dụng. </a:t>
             </a:r>
@@ -6233,8 +6233,8 @@
             </a:pPr>
             <a:r>
               <a:rPr lang="en-US" smtClean="0">
-                <a:latin typeface="Times New Roman" panose="02020603050405020304" pitchFamily="18" charset="0"/>
-                <a:cs typeface="Times New Roman" panose="02020603050405020304" pitchFamily="18" charset="0"/>
+                <a:latin typeface="Arial" panose="020B0604020202020204" pitchFamily="34" charset="0"/>
+                <a:cs typeface="Arial" panose="020B0604020202020204" pitchFamily="34" charset="0"/>
               </a:rPr>
               <a:t>Về cơ bản Tabris nghiêng về bộ công cụ thứ hai. </a:t>
             </a:r>
@@ -6244,8 +6244,8 @@
               <a:buNone/>
             </a:pPr>
             <a:endParaRPr lang="en-US">
-              <a:latin typeface="Times New Roman" panose="02020603050405020304" pitchFamily="18" charset="0"/>
-              <a:cs typeface="Times New Roman" panose="02020603050405020304" pitchFamily="18" charset="0"/>
+              <a:latin typeface="Arial" panose="020B0604020202020204" pitchFamily="34" charset="0"/>
+              <a:cs typeface="Arial" panose="020B0604020202020204" pitchFamily="34" charset="0"/>
             </a:endParaRPr>
           </a:p>
         </p:txBody>
@@ -6304,14 +6304,14 @@
           <a:p>
             <a:r>
               <a:rPr lang="en-US" smtClean="0">
-                <a:latin typeface="Times New Roman" panose="02020603050405020304" pitchFamily="18" charset="0"/>
-                <a:cs typeface="Times New Roman" panose="02020603050405020304" pitchFamily="18" charset="0"/>
+                <a:latin typeface="Arial" panose="020B0604020202020204" pitchFamily="34" charset="0"/>
+                <a:cs typeface="Arial" panose="020B0604020202020204" pitchFamily="34" charset="0"/>
               </a:rPr>
               <a:t>2	TaBris</a:t>
             </a:r>
             <a:endParaRPr lang="en-US">
-              <a:latin typeface="Times New Roman" panose="02020603050405020304" pitchFamily="18" charset="0"/>
-              <a:cs typeface="Times New Roman" panose="02020603050405020304" pitchFamily="18" charset="0"/>
+              <a:latin typeface="Arial" panose="020B0604020202020204" pitchFamily="34" charset="0"/>
+              <a:cs typeface="Arial" panose="020B0604020202020204" pitchFamily="34" charset="0"/>
             </a:endParaRPr>
           </a:p>
         </p:txBody>
@@ -6344,8 +6344,8 @@
             </a:pPr>
             <a:r>
               <a:rPr lang="en-US" smtClean="0">
-                <a:latin typeface="Times New Roman" panose="02020603050405020304" pitchFamily="18" charset="0"/>
-                <a:cs typeface="Times New Roman" panose="02020603050405020304" pitchFamily="18" charset="0"/>
+                <a:latin typeface="Arial" panose="020B0604020202020204" pitchFamily="34" charset="0"/>
+                <a:cs typeface="Arial" panose="020B0604020202020204" pitchFamily="34" charset="0"/>
               </a:rPr>
               <a:t>2.1	Giới thiệu</a:t>
             </a:r>
@@ -6359,14 +6359,14 @@
             </a:pPr>
             <a:r>
               <a:rPr lang="en-US" smtClean="0">
-                <a:latin typeface="Times New Roman" panose="02020603050405020304" pitchFamily="18" charset="0"/>
-                <a:cs typeface="Times New Roman" panose="02020603050405020304" pitchFamily="18" charset="0"/>
+                <a:latin typeface="Arial" panose="020B0604020202020204" pitchFamily="34" charset="0"/>
+                <a:cs typeface="Arial" panose="020B0604020202020204" pitchFamily="34" charset="0"/>
               </a:rPr>
               <a:t>Tabris là bộ công cụ Java đầu tiên cho sự phát triển ứng dụng trên nhiều nền tảng khác nhau.</a:t>
             </a:r>
             <a:endParaRPr lang="en-US">
-              <a:latin typeface="Times New Roman" panose="02020603050405020304" pitchFamily="18" charset="0"/>
-              <a:cs typeface="Times New Roman" panose="02020603050405020304" pitchFamily="18" charset="0"/>
+              <a:latin typeface="Arial" panose="020B0604020202020204" pitchFamily="34" charset="0"/>
+              <a:cs typeface="Arial" panose="020B0604020202020204" pitchFamily="34" charset="0"/>
             </a:endParaRPr>
           </a:p>
         </p:txBody>
@@ -6455,7 +6455,9 @@
           </a:xfrm>
         </p:spPr>
         <p:txBody>
-          <a:bodyPr/>
+          <a:bodyPr>
+            <a:normAutofit/>
+          </a:bodyPr>
           <a:lstStyle/>
           <a:p>
             <a:pPr marL="0" indent="0">
@@ -6466,8 +6468,8 @@
             </a:pPr>
             <a:r>
               <a:rPr lang="en-US" smtClean="0">
-                <a:latin typeface="Times New Roman" panose="02020603050405020304" pitchFamily="18" charset="0"/>
-                <a:cs typeface="Times New Roman" panose="02020603050405020304" pitchFamily="18" charset="0"/>
+                <a:latin typeface="Arial" panose="020B0604020202020204" pitchFamily="34" charset="0"/>
+                <a:cs typeface="Arial" panose="020B0604020202020204" pitchFamily="34" charset="0"/>
               </a:rPr>
               <a:t>2.2	Những gì Tabris cung cấp, hỗ trợ</a:t>
             </a:r>
@@ -6481,11 +6483,25 @@
               <a:buChar char="Ø"/>
             </a:pPr>
             <a:r>
+              <a:rPr lang="en-US">
+                <a:latin typeface="Arial" panose="020B0604020202020204" pitchFamily="34" charset="0"/>
+                <a:cs typeface="Arial" panose="020B0604020202020204" pitchFamily="34" charset="0"/>
+              </a:rPr>
+              <a:t>C</a:t>
+            </a:r>
+            <a:r>
               <a:rPr lang="en-US" smtClean="0">
-                <a:latin typeface="Times New Roman" panose="02020603050405020304" pitchFamily="18" charset="0"/>
-                <a:cs typeface="Times New Roman" panose="02020603050405020304" pitchFamily="18" charset="0"/>
+                <a:latin typeface="Arial" panose="020B0604020202020204" pitchFamily="34" charset="0"/>
+                <a:cs typeface="Arial" panose="020B0604020202020204" pitchFamily="34" charset="0"/>
               </a:rPr>
-              <a:t>Tabris cung cấp các hàm để truy cập các lệnh điều khiển các thành phần cơ bản như: button, text, list,…</a:t>
+              <a:t>ung cấp hàm để điều </a:t>
+            </a:r>
+            <a:r>
+              <a:rPr lang="en-US" smtClean="0">
+                <a:latin typeface="Arial" panose="020B0604020202020204" pitchFamily="34" charset="0"/>
+                <a:cs typeface="Arial" panose="020B0604020202020204" pitchFamily="34" charset="0"/>
+              </a:rPr>
+              <a:t>khiển các thành phần cơ bản như: button, text, list,…</a:t>
             </a:r>
           </a:p>
           <a:p>
@@ -6497,11 +6513,18 @@
               <a:buChar char="Ø"/>
             </a:pPr>
             <a:r>
+              <a:rPr lang="en-US" smtClean="0">
+                <a:latin typeface="Arial" panose="020B0604020202020204" pitchFamily="34" charset="0"/>
+                <a:cs typeface="Arial" panose="020B0604020202020204" pitchFamily="34" charset="0"/>
+              </a:rPr>
+              <a:t>API </a:t>
+            </a:r>
+            <a:r>
               <a:rPr lang="en-US">
-                <a:latin typeface="Times New Roman" panose="02020603050405020304" pitchFamily="18" charset="0"/>
-                <a:cs typeface="Times New Roman" panose="02020603050405020304" pitchFamily="18" charset="0"/>
+                <a:latin typeface="Arial" panose="020B0604020202020204" pitchFamily="34" charset="0"/>
+                <a:cs typeface="Arial" panose="020B0604020202020204" pitchFamily="34" charset="0"/>
               </a:rPr>
-              <a:t>Ngoài ra còn cung cấp các API để điều khiển các thiết bị máy quay hay lấy thông tin vị trí hiện tại. </a:t>
+              <a:t>để điều khiển các thiết bị máy quay hay lấy thông tin vị trí hiện tại. </a:t>
             </a:r>
           </a:p>
           <a:p>
@@ -6514,18 +6537,77 @@
             </a:pPr>
             <a:r>
               <a:rPr lang="en-US">
-                <a:latin typeface="Times New Roman" panose="02020603050405020304" pitchFamily="18" charset="0"/>
-                <a:cs typeface="Times New Roman" panose="02020603050405020304" pitchFamily="18" charset="0"/>
+                <a:latin typeface="Arial" panose="020B0604020202020204" pitchFamily="34" charset="0"/>
+                <a:cs typeface="Arial" panose="020B0604020202020204" pitchFamily="34" charset="0"/>
               </a:rPr>
-              <a:t>Tabris hỗ trợ giao diện màn hình gồm 2 phần cốt lõi là Page và Action. Page là nơi chứa dữ liệu hay các lệnh điều khiển, Action là tương tác của người dùng với ứng dụng hoặc một Page. Người dùng có thể chuyển hướng các màn hình bằng cách sử dụng </a:t>
+              <a:t>H</a:t>
             </a:r>
             <a:r>
               <a:rPr lang="en-US" smtClean="0">
-                <a:latin typeface="Times New Roman" panose="02020603050405020304" pitchFamily="18" charset="0"/>
-                <a:cs typeface="Times New Roman" panose="02020603050405020304" pitchFamily="18" charset="0"/>
+                <a:latin typeface="Arial" panose="020B0604020202020204" pitchFamily="34" charset="0"/>
+                <a:cs typeface="Arial" panose="020B0604020202020204" pitchFamily="34" charset="0"/>
               </a:rPr>
-              <a:t>Action.</a:t>
-            </a:r>
+              <a:t>ỗ </a:t>
+            </a:r>
+            <a:r>
+              <a:rPr lang="en-US">
+                <a:latin typeface="Arial" panose="020B0604020202020204" pitchFamily="34" charset="0"/>
+                <a:cs typeface="Arial" panose="020B0604020202020204" pitchFamily="34" charset="0"/>
+              </a:rPr>
+              <a:t>trợ giao diện màn hình gồm 2 phần cốt lõi là Page và Action. </a:t>
+            </a:r>
+            <a:endParaRPr lang="en-US" smtClean="0">
+              <a:latin typeface="Arial" panose="020B0604020202020204" pitchFamily="34" charset="0"/>
+              <a:cs typeface="Arial" panose="020B0604020202020204" pitchFamily="34" charset="0"/>
+            </a:endParaRPr>
+          </a:p>
+          <a:p>
+            <a:pPr>
+              <a:lnSpc>
+                <a:spcPct val="150000"/>
+              </a:lnSpc>
+              <a:buFont typeface="Wingdings" panose="05000000000000000000" pitchFamily="2" charset="2"/>
+              <a:buChar char="Ø"/>
+            </a:pPr>
+            <a:r>
+              <a:rPr lang="en-US">
+                <a:latin typeface="Arial" panose="020B0604020202020204" pitchFamily="34" charset="0"/>
+                <a:cs typeface="Arial" panose="020B0604020202020204" pitchFamily="34" charset="0"/>
+              </a:rPr>
+              <a:t>C</a:t>
+            </a:r>
+            <a:r>
+              <a:rPr lang="en-US" smtClean="0">
+                <a:latin typeface="Arial" panose="020B0604020202020204" pitchFamily="34" charset="0"/>
+                <a:cs typeface="Arial" panose="020B0604020202020204" pitchFamily="34" charset="0"/>
+              </a:rPr>
+              <a:t>ung </a:t>
+            </a:r>
+            <a:r>
+              <a:rPr lang="en-US">
+                <a:latin typeface="Arial" panose="020B0604020202020204" pitchFamily="34" charset="0"/>
+                <a:cs typeface="Arial" panose="020B0604020202020204" pitchFamily="34" charset="0"/>
+              </a:rPr>
+              <a:t>cấp những tiện ích tạo nên một phần nội dung </a:t>
+            </a:r>
+            <a:r>
+              <a:rPr lang="en-US" smtClean="0">
+                <a:latin typeface="Arial" panose="020B0604020202020204" pitchFamily="34" charset="0"/>
+                <a:cs typeface="Arial" panose="020B0604020202020204" pitchFamily="34" charset="0"/>
+              </a:rPr>
+              <a:t>thông qua SWT.</a:t>
+            </a:r>
+            <a:r>
+              <a:rPr lang="en-US" smtClean="0">
+                <a:latin typeface="Arial" panose="020B0604020202020204" pitchFamily="34" charset="0"/>
+                <a:cs typeface="Arial" panose="020B0604020202020204" pitchFamily="34" charset="0"/>
+              </a:rPr>
+              <a:t> </a:t>
+            </a:r>
+            <a:endParaRPr lang="en-US">
+              <a:latin typeface="Arial" panose="020B0604020202020204" pitchFamily="34" charset="0"/>
+              <a:cs typeface="Arial" panose="020B0604020202020204" pitchFamily="34" charset="0"/>
+            </a:endParaRPr>
           </a:p>
           <a:p>
             <a:pPr lvl="0">
@@ -6537,24 +6619,8 @@
             </a:pPr>
             <a:r>
               <a:rPr lang="en-US">
-                <a:latin typeface="Times New Roman" panose="02020603050405020304" pitchFamily="18" charset="0"/>
-                <a:cs typeface="Times New Roman" panose="02020603050405020304" pitchFamily="18" charset="0"/>
-              </a:rPr>
-              <a:t>Tabris còn sử dụng 1 bộ công cụ tiện ích đa nền tảng dựng sẵn SWT(Standard Widget Toolkit) để cung cấp những tiện ích tạo nên một phần nội dung của ứng dụng. </a:t>
-            </a:r>
-          </a:p>
-          <a:p>
-            <a:pPr lvl="0">
-              <a:lnSpc>
-                <a:spcPct val="150000"/>
-              </a:lnSpc>
-              <a:buFont typeface="Wingdings" panose="05000000000000000000" pitchFamily="2" charset="2"/>
-              <a:buChar char="Ø"/>
-            </a:pPr>
-            <a:r>
-              <a:rPr lang="en-US">
-                <a:latin typeface="Times New Roman" panose="02020603050405020304" pitchFamily="18" charset="0"/>
-                <a:cs typeface="Times New Roman" panose="02020603050405020304" pitchFamily="18" charset="0"/>
+                <a:latin typeface="Arial" panose="020B0604020202020204" pitchFamily="34" charset="0"/>
+                <a:cs typeface="Arial" panose="020B0604020202020204" pitchFamily="34" charset="0"/>
               </a:rPr>
               <a:t>Các ứng dụng thực hiện gửi và nhận dữ liệu với server dưới dạng JSON.</a:t>
             </a:r>
@@ -6569,8 +6635,8 @@
             </a:pPr>
             <a:r>
               <a:rPr lang="en-US">
-                <a:latin typeface="Times New Roman" panose="02020603050405020304" pitchFamily="18" charset="0"/>
-                <a:cs typeface="Times New Roman" panose="02020603050405020304" pitchFamily="18" charset="0"/>
+                <a:latin typeface="Arial" panose="020B0604020202020204" pitchFamily="34" charset="0"/>
+                <a:cs typeface="Arial" panose="020B0604020202020204" pitchFamily="34" charset="0"/>
               </a:rPr>
               <a:t>Hỗ trợ bảo mật cho thiết bị. </a:t>
             </a:r>
@@ -6624,35 +6690,30 @@
             <p:ph type="title"/>
           </p:nvPr>
         </p:nvSpPr>
-        <p:spPr/>
-        <p:txBody>
-          <a:bodyPr/>
-          <a:lstStyle/>
-          <a:p>
-            <a:r>
-              <a:rPr lang="en-US" smtClean="0"/>
+        <p:spPr>
+          <a:xfrm>
+            <a:off x="0" y="2464158"/>
+            <a:ext cx="12192000" cy="1456267"/>
+          </a:xfrm>
+        </p:spPr>
+        <p:txBody>
+          <a:bodyPr>
+            <a:normAutofit/>
+          </a:bodyPr>
+          <a:lstStyle/>
+          <a:p>
+            <a:pPr algn="ctr"/>
+            <a:r>
+              <a:rPr lang="en-US" sz="4800" smtClean="0">
+                <a:latin typeface="Arial" panose="020B0604020202020204" pitchFamily="34" charset="0"/>
+                <a:cs typeface="Arial" panose="020B0604020202020204" pitchFamily="34" charset="0"/>
+              </a:rPr>
               <a:t>Thank for watching!</a:t>
             </a:r>
-            <a:endParaRPr lang="en-US"/>
-          </a:p>
-        </p:txBody>
-      </p:sp>
-      <p:sp>
-        <p:nvSpPr>
-          <p:cNvPr id="3" name="Content Placeholder 2"/>
-          <p:cNvSpPr>
-            <a:spLocks noGrp="1"/>
-          </p:cNvSpPr>
-          <p:nvPr>
-            <p:ph idx="1"/>
-          </p:nvPr>
-        </p:nvSpPr>
-        <p:spPr/>
-        <p:txBody>
-          <a:bodyPr/>
-          <a:lstStyle/>
-          <a:p>
-            <a:endParaRPr lang="en-US"/>
+            <a:endParaRPr lang="en-US" sz="4800">
+              <a:latin typeface="Arial" panose="020B0604020202020204" pitchFamily="34" charset="0"/>
+              <a:cs typeface="Arial" panose="020B0604020202020204" pitchFamily="34" charset="0"/>
+            </a:endParaRPr>
           </a:p>
         </p:txBody>
       </p:sp>
